--- a/个人展示-李飞-2017210826.pptx
+++ b/个人展示-李飞-2017210826.pptx
@@ -12609,11 +12609,6 @@
               </a:rPr>
               <a:t>页的随机修改</a:t>
             </a:r>
-            <a:endParaRPr lang="zh-CN" altLang="en-US" sz="2000" dirty="0">
-              <a:latin typeface="Times New Roman" pitchFamily="18" charset="0"/>
-              <a:ea typeface="黑体" pitchFamily="49" charset="-122"/>
-              <a:cs typeface="Times New Roman" pitchFamily="18" charset="0"/>
-            </a:endParaRPr>
           </a:p>
         </p:txBody>
       </p:sp>
@@ -17132,15 +17127,7 @@
                 <a:ea typeface="黑体" pitchFamily="49" charset="-122"/>
                 <a:cs typeface="Times New Roman" pitchFamily="18" charset="0"/>
               </a:rPr>
-              <a:t> &amp; Flash </a:t>
-            </a:r>
-            <a:r>
-              <a:rPr lang="en-US" altLang="zh-CN" sz="2000" dirty="0" smtClean="0">
-                <a:latin typeface="Times New Roman" pitchFamily="18" charset="0"/>
-                <a:ea typeface="黑体" pitchFamily="49" charset="-122"/>
-                <a:cs typeface="Times New Roman" pitchFamily="18" charset="0"/>
-              </a:rPr>
-              <a:t>vulnerability</a:t>
+              <a:t> &amp; Flash vulnerability</a:t>
             </a:r>
           </a:p>
           <a:p>
@@ -21432,7 +21419,7 @@
           <a:graphicData uri="http://schemas.openxmlformats.org/presentationml/2006/ole">
             <mc:AlternateContent xmlns:mc="http://schemas.openxmlformats.org/markup-compatibility/2006">
               <mc:Choice xmlns:v="urn:schemas-microsoft-com:vml" Requires="v">
-                <p:oleObj spid="_x0000_s1489" name="Chart" r:id="rId5" imgW="6372149" imgH="3733800" progId="Excel.Sheet.8">
+                <p:oleObj spid="_x0000_s1492" name="Chart" r:id="rId5" imgW="6372149" imgH="3733800" progId="Excel.Sheet.8">
                   <p:embed/>
                 </p:oleObj>
               </mc:Choice>
@@ -22640,14 +22627,6 @@
               </a:rPr>
               <a:t>清理？拷贝出来的活跃数据块应该如何组织？</a:t>
             </a:r>
-            <a:endParaRPr lang="zh-CN" altLang="en-US" sz="2000" b="1" dirty="0">
-              <a:solidFill>
-                <a:srgbClr val="002060"/>
-              </a:solidFill>
-              <a:latin typeface="Times New Roman" pitchFamily="18" charset="0"/>
-              <a:ea typeface="黑体" pitchFamily="2" charset="-122"/>
-              <a:cs typeface="Times New Roman" pitchFamily="18" charset="0"/>
-            </a:endParaRPr>
           </a:p>
         </p:txBody>
       </p:sp>
@@ -23283,14 +23262,6 @@
               </a:rPr>
               <a:t>清理？拷贝出来的活跃数据块应该如何组织？</a:t>
             </a:r>
-            <a:endParaRPr lang="zh-CN" altLang="en-US" sz="2000" b="1" dirty="0">
-              <a:solidFill>
-                <a:srgbClr val="002060"/>
-              </a:solidFill>
-              <a:latin typeface="Times New Roman" pitchFamily="18" charset="0"/>
-              <a:ea typeface="黑体" pitchFamily="2" charset="-122"/>
-              <a:cs typeface="Times New Roman" pitchFamily="18" charset="0"/>
-            </a:endParaRPr>
           </a:p>
         </p:txBody>
       </p:sp>

--- a/个人展示-李飞-2017210826.pptx
+++ b/个人展示-李飞-2017210826.pptx
@@ -5,10 +5,10 @@
     <p:sldMasterId id="2147483655" r:id="rId1"/>
   </p:sldMasterIdLst>
   <p:notesMasterIdLst>
-    <p:notesMasterId r:id="rId24"/>
+    <p:notesMasterId r:id="rId25"/>
   </p:notesMasterIdLst>
   <p:handoutMasterIdLst>
-    <p:handoutMasterId r:id="rId25"/>
+    <p:handoutMasterId r:id="rId26"/>
   </p:handoutMasterIdLst>
   <p:sldIdLst>
     <p:sldId id="1095" r:id="rId2"/>
@@ -33,6 +33,7 @@
     <p:sldId id="1115" r:id="rId21"/>
     <p:sldId id="1116" r:id="rId22"/>
     <p:sldId id="1117" r:id="rId23"/>
+    <p:sldId id="1118" r:id="rId24"/>
   </p:sldIdLst>
   <p:sldSz cx="9144000" cy="6858000" type="screen4x3"/>
   <p:notesSz cx="7099300" cy="10234613"/>
@@ -19552,6 +19553,24 @@
             </a:r>
           </a:p>
           <a:p>
+            <a:pPr eaLnBrk="1" hangingPunct="1">
+              <a:lnSpc>
+                <a:spcPts val="2600"/>
+              </a:lnSpc>
+              <a:spcBef>
+                <a:spcPts val="200"/>
+              </a:spcBef>
+            </a:pPr>
+            <a:r>
+              <a:rPr lang="zh-CN" altLang="en-US" sz="2000" dirty="0" smtClean="0">
+                <a:latin typeface="Times New Roman" pitchFamily="18" charset="0"/>
+                <a:ea typeface="黑体" pitchFamily="49" charset="-122"/>
+                <a:cs typeface="Times New Roman" pitchFamily="18" charset="0"/>
+              </a:rPr>
+              <a:t>运行时问题</a:t>
+            </a:r>
+          </a:p>
+          <a:p>
             <a:pPr marL="560388" lvl="1" eaLnBrk="1" hangingPunct="1">
               <a:lnSpc>
                 <a:spcPts val="2600"/>
@@ -19567,7 +19586,7 @@
               <a:buChar char="Ø"/>
             </a:pPr>
             <a:r>
-              <a:rPr lang="en-US" altLang="zh-CN" sz="1600" dirty="0" err="1" smtClean="0">
+              <a:rPr lang="en-US" altLang="zh-CN" sz="1600" dirty="0" err="1">
                 <a:latin typeface="Times New Roman" pitchFamily="18" charset="0"/>
                 <a:ea typeface="黑体" pitchFamily="49" charset="-122"/>
                 <a:cs typeface="Times New Roman" pitchFamily="18" charset="0"/>
@@ -19583,7 +19602,7 @@
               <a:t>, </a:t>
             </a:r>
             <a:r>
-              <a:rPr lang="zh-CN" altLang="en-US" sz="1600" dirty="0" smtClean="0">
+              <a:rPr lang="zh-CN" altLang="en-US" sz="1600" dirty="0">
                 <a:latin typeface="Times New Roman" pitchFamily="18" charset="0"/>
                 <a:ea typeface="黑体" pitchFamily="49" charset="-122"/>
                 <a:cs typeface="Times New Roman" pitchFamily="18" charset="0"/>
@@ -19591,7 +19610,7 @@
               <a:t>对</a:t>
             </a:r>
             <a:r>
-              <a:rPr lang="en-US" altLang="zh-CN" sz="1600" dirty="0" smtClean="0">
+              <a:rPr lang="en-US" altLang="zh-CN" sz="1600" dirty="0">
                 <a:latin typeface="Times New Roman" pitchFamily="18" charset="0"/>
                 <a:ea typeface="黑体" pitchFamily="49" charset="-122"/>
                 <a:cs typeface="Times New Roman" pitchFamily="18" charset="0"/>
@@ -19599,7 +19618,7 @@
               <a:t>fs</a:t>
             </a:r>
             <a:r>
-              <a:rPr lang="zh-CN" altLang="en-US" sz="1600" dirty="0" smtClean="0">
+              <a:rPr lang="zh-CN" altLang="en-US" sz="1600" dirty="0">
                 <a:latin typeface="Times New Roman" pitchFamily="18" charset="0"/>
                 <a:ea typeface="黑体" pitchFamily="49" charset="-122"/>
                 <a:cs typeface="Times New Roman" pitchFamily="18" charset="0"/>
@@ -19607,35 +19626,12 @@
               <a:t>及其寄存器进行初始化</a:t>
             </a:r>
             <a:r>
-              <a:rPr lang="en-US" altLang="zh-CN" sz="1600" dirty="0" smtClean="0">
+              <a:rPr lang="en-US" altLang="zh-CN" sz="1600" dirty="0">
                 <a:latin typeface="Times New Roman" pitchFamily="18" charset="0"/>
                 <a:ea typeface="黑体" pitchFamily="49" charset="-122"/>
                 <a:cs typeface="Times New Roman" pitchFamily="18" charset="0"/>
               </a:rPr>
               <a:t> </a:t>
-            </a:r>
-            <a:endParaRPr lang="en-US" altLang="zh-CN" sz="2000" dirty="0" smtClean="0">
-              <a:latin typeface="Times New Roman" pitchFamily="18" charset="0"/>
-              <a:ea typeface="黑体" pitchFamily="49" charset="-122"/>
-              <a:cs typeface="Times New Roman" pitchFamily="18" charset="0"/>
-            </a:endParaRPr>
-          </a:p>
-          <a:p>
-            <a:pPr eaLnBrk="1" hangingPunct="1">
-              <a:lnSpc>
-                <a:spcPts val="2600"/>
-              </a:lnSpc>
-              <a:spcBef>
-                <a:spcPts val="200"/>
-              </a:spcBef>
-            </a:pPr>
-            <a:r>
-              <a:rPr lang="zh-CN" altLang="en-US" sz="2000" dirty="0" smtClean="0">
-                <a:latin typeface="Times New Roman" pitchFamily="18" charset="0"/>
-                <a:ea typeface="黑体" pitchFamily="49" charset="-122"/>
-                <a:cs typeface="Times New Roman" pitchFamily="18" charset="0"/>
-              </a:rPr>
-              <a:t>运行时链接问题</a:t>
             </a:r>
             <a:endParaRPr lang="en-US" altLang="zh-CN" sz="2000" dirty="0">
               <a:latin typeface="Times New Roman" pitchFamily="18" charset="0"/>
@@ -20820,6 +20816,159 @@
 </p:sld>
 </file>
 
+<file path=ppt/slides/slide23.xml><?xml version="1.0" encoding="utf-8"?>
+<p:sld xmlns:a="http://schemas.openxmlformats.org/drawingml/2006/main" xmlns:r="http://schemas.openxmlformats.org/officeDocument/2006/relationships" xmlns:p="http://schemas.openxmlformats.org/presentationml/2006/main">
+  <p:cSld>
+    <p:spTree>
+      <p:nvGrpSpPr>
+        <p:cNvPr id="1" name=""/>
+        <p:cNvGrpSpPr/>
+        <p:nvPr/>
+      </p:nvGrpSpPr>
+      <p:grpSpPr>
+        <a:xfrm>
+          <a:off x="0" y="0"/>
+          <a:ext cx="0" cy="0"/>
+          <a:chOff x="0" y="0"/>
+          <a:chExt cx="0" cy="0"/>
+        </a:xfrm>
+      </p:grpSpPr>
+      <p:sp>
+        <p:nvSpPr>
+          <p:cNvPr id="2" name="Title 1"/>
+          <p:cNvSpPr>
+            <a:spLocks noGrp="1"/>
+          </p:cNvSpPr>
+          <p:nvPr>
+            <p:ph type="title"/>
+          </p:nvPr>
+        </p:nvSpPr>
+        <p:spPr/>
+        <p:txBody>
+          <a:bodyPr/>
+          <a:lstStyle/>
+          <a:p>
+            <a:r>
+              <a:rPr lang="zh-CN" altLang="en-US" smtClean="0"/>
+              <a:t>谢谢！</a:t>
+            </a:r>
+            <a:endParaRPr lang="en-US"/>
+          </a:p>
+        </p:txBody>
+      </p:sp>
+      <p:sp>
+        <p:nvSpPr>
+          <p:cNvPr id="3" name="Text Placeholder 2"/>
+          <p:cNvSpPr>
+            <a:spLocks noGrp="1"/>
+          </p:cNvSpPr>
+          <p:nvPr>
+            <p:ph type="body" idx="1"/>
+          </p:nvPr>
+        </p:nvSpPr>
+        <p:spPr/>
+        <p:txBody>
+          <a:bodyPr/>
+          <a:lstStyle/>
+          <a:p>
+            <a:r>
+              <a:rPr lang="en-US" altLang="zh-CN" dirty="0" smtClean="0"/>
+              <a:t>lif17@mails.tsinghua.edu.cn</a:t>
+            </a:r>
+            <a:r>
+              <a:rPr lang="zh-CN" altLang="en-US" dirty="0" smtClean="0"/>
+              <a:t>	</a:t>
+            </a:r>
+            <a:endParaRPr lang="en-US" dirty="0"/>
+          </a:p>
+        </p:txBody>
+      </p:sp>
+      <p:sp>
+        <p:nvSpPr>
+          <p:cNvPr id="4" name="Date Placeholder 3"/>
+          <p:cNvSpPr>
+            <a:spLocks noGrp="1"/>
+          </p:cNvSpPr>
+          <p:nvPr>
+            <p:ph type="dt" sz="half" idx="10"/>
+          </p:nvPr>
+        </p:nvSpPr>
+        <p:spPr/>
+        <p:txBody>
+          <a:bodyPr/>
+          <a:lstStyle/>
+          <a:p>
+            <a:pPr>
+              <a:defRPr/>
+            </a:pPr>
+            <a:endParaRPr lang="en-US" altLang="zh-CN"/>
+          </a:p>
+        </p:txBody>
+      </p:sp>
+      <p:sp>
+        <p:nvSpPr>
+          <p:cNvPr id="5" name="Footer Placeholder 4"/>
+          <p:cNvSpPr>
+            <a:spLocks noGrp="1"/>
+          </p:cNvSpPr>
+          <p:nvPr>
+            <p:ph type="ftr" sz="quarter" idx="11"/>
+          </p:nvPr>
+        </p:nvSpPr>
+        <p:spPr/>
+        <p:txBody>
+          <a:bodyPr/>
+          <a:lstStyle/>
+          <a:p>
+            <a:pPr>
+              <a:defRPr/>
+            </a:pPr>
+            <a:endParaRPr lang="en-US" altLang="zh-CN"/>
+          </a:p>
+        </p:txBody>
+      </p:sp>
+      <p:sp>
+        <p:nvSpPr>
+          <p:cNvPr id="6" name="Slide Number Placeholder 5"/>
+          <p:cNvSpPr>
+            <a:spLocks noGrp="1"/>
+          </p:cNvSpPr>
+          <p:nvPr>
+            <p:ph type="sldNum" sz="quarter" idx="12"/>
+          </p:nvPr>
+        </p:nvSpPr>
+        <p:spPr/>
+        <p:txBody>
+          <a:bodyPr/>
+          <a:lstStyle/>
+          <a:p>
+            <a:pPr>
+              <a:defRPr/>
+            </a:pPr>
+            <a:fld id="{2BB5361C-0B67-46A5-AA85-32B492E484A5}" type="slidenum">
+              <a:rPr lang="zh-CN" altLang="en-US" smtClean="0"/>
+              <a:pPr>
+                <a:defRPr/>
+              </a:pPr>
+              <a:t>23</a:t>
+            </a:fld>
+            <a:endParaRPr lang="en-US" altLang="zh-CN"/>
+          </a:p>
+        </p:txBody>
+      </p:sp>
+    </p:spTree>
+    <p:extLst>
+      <p:ext uri="{BB962C8B-B14F-4D97-AF65-F5344CB8AC3E}">
+        <p14:creationId xmlns:p14="http://schemas.microsoft.com/office/powerpoint/2010/main" val="1653444173"/>
+      </p:ext>
+    </p:extLst>
+  </p:cSld>
+  <p:clrMapOvr>
+    <a:masterClrMapping/>
+  </p:clrMapOvr>
+</p:sld>
+</file>
+
 <file path=ppt/slides/slide3.xml><?xml version="1.0" encoding="utf-8"?>
 <p:sld xmlns:a="http://schemas.openxmlformats.org/drawingml/2006/main" xmlns:r="http://schemas.openxmlformats.org/officeDocument/2006/relationships" xmlns:p="http://schemas.openxmlformats.org/presentationml/2006/main">
   <p:cSld>
@@ -21419,7 +21568,7 @@
           <a:graphicData uri="http://schemas.openxmlformats.org/presentationml/2006/ole">
             <mc:AlternateContent xmlns:mc="http://schemas.openxmlformats.org/markup-compatibility/2006">
               <mc:Choice xmlns:v="urn:schemas-microsoft-com:vml" Requires="v">
-                <p:oleObj spid="_x0000_s1492" name="Chart" r:id="rId5" imgW="6372149" imgH="3733800" progId="Excel.Sheet.8">
+                <p:oleObj spid="_x0000_s1507" name="Chart" r:id="rId5" imgW="6372149" imgH="3733800" progId="Excel.Sheet.8">
                   <p:embed/>
                 </p:oleObj>
               </mc:Choice>
@@ -22001,7 +22150,29 @@
                 <a:ea typeface="黑体" pitchFamily="49" charset="-122"/>
                 <a:cs typeface="Times New Roman" pitchFamily="18" charset="0"/>
               </a:rPr>
-              <a:t>工作负载：大量小文件读写高效难以处理</a:t>
+              <a:t>工作负载：大量小文件读</a:t>
+            </a:r>
+            <a:r>
+              <a:rPr lang="zh-CN" altLang="en-US" sz="1600" dirty="0" smtClean="0">
+                <a:solidFill>
+                  <a:srgbClr val="0000CC"/>
+                </a:solidFill>
+                <a:latin typeface="Times New Roman" pitchFamily="18" charset="0"/>
+                <a:ea typeface="黑体" pitchFamily="49" charset="-122"/>
+                <a:cs typeface="Times New Roman" pitchFamily="18" charset="0"/>
+              </a:rPr>
+              <a:t>写难以</a:t>
+            </a:r>
+            <a:r>
+              <a:rPr lang="zh-CN" altLang="en-US" sz="1600" dirty="0" smtClean="0">
+                <a:solidFill>
+                  <a:srgbClr val="0000CC"/>
+                </a:solidFill>
+                <a:latin typeface="Times New Roman" pitchFamily="18" charset="0"/>
+                <a:ea typeface="黑体" pitchFamily="49" charset="-122"/>
+                <a:cs typeface="Times New Roman" pitchFamily="18" charset="0"/>
+              </a:rPr>
+              <a:t>处理</a:t>
             </a:r>
             <a:endParaRPr lang="en-US" altLang="zh-CN" sz="1600" dirty="0">
               <a:solidFill>

--- a/个人展示-李飞-2017210826.pptx
+++ b/个人展示-李飞-2017210826.pptx
@@ -20849,10 +20849,10 @@
           <a:lstStyle/>
           <a:p>
             <a:r>
-              <a:rPr lang="zh-CN" altLang="en-US" smtClean="0"/>
+              <a:rPr lang="zh-CN" altLang="en-US" dirty="0" smtClean="0"/>
               <a:t>谢谢！</a:t>
             </a:r>
-            <a:endParaRPr lang="en-US"/>
+            <a:endParaRPr lang="en-US" dirty="0"/>
           </a:p>
         </p:txBody>
       </p:sp>
@@ -21568,7 +21568,7 @@
           <a:graphicData uri="http://schemas.openxmlformats.org/presentationml/2006/ole">
             <mc:AlternateContent xmlns:mc="http://schemas.openxmlformats.org/markup-compatibility/2006">
               <mc:Choice xmlns:v="urn:schemas-microsoft-com:vml" Requires="v">
-                <p:oleObj spid="_x0000_s1507" name="Chart" r:id="rId5" imgW="6372149" imgH="3733800" progId="Excel.Sheet.8">
+                <p:oleObj spid="_x0000_s1508" name="Chart" r:id="rId5" imgW="6372149" imgH="3733800" progId="Excel.Sheet.8">
                   <p:embed/>
                 </p:oleObj>
               </mc:Choice>
